--- a/schema web/web pr.pptx
+++ b/schema web/web pr.pptx
@@ -6,6 +6,7 @@
   </p:sldMasterIdLst>
   <p:sldIdLst>
     <p:sldId id="256" r:id="rId2"/>
+    <p:sldId id="257" r:id="rId3"/>
   </p:sldIdLst>
   <p:sldSz cx="9144000" cy="6858000" type="screen4x3"/>
   <p:notesSz cx="6858000" cy="9144000"/>
@@ -288,7 +289,7 @@
           <a:p>
             <a:fld id="{69AC02CD-5345-4666-9DF6-EC6D49A23704}" type="datetimeFigureOut">
               <a:rPr lang="ko-KR" altLang="en-US" smtClean="0"/>
-              <a:t>2019-04-29</a:t>
+              <a:t>2019-05-03</a:t>
             </a:fld>
             <a:endParaRPr lang="ko-KR" altLang="en-US"/>
           </a:p>
@@ -458,7 +459,7 @@
           <a:p>
             <a:fld id="{69AC02CD-5345-4666-9DF6-EC6D49A23704}" type="datetimeFigureOut">
               <a:rPr lang="ko-KR" altLang="en-US" smtClean="0"/>
-              <a:t>2019-04-29</a:t>
+              <a:t>2019-05-03</a:t>
             </a:fld>
             <a:endParaRPr lang="ko-KR" altLang="en-US"/>
           </a:p>
@@ -638,7 +639,7 @@
           <a:p>
             <a:fld id="{69AC02CD-5345-4666-9DF6-EC6D49A23704}" type="datetimeFigureOut">
               <a:rPr lang="ko-KR" altLang="en-US" smtClean="0"/>
-              <a:t>2019-04-29</a:t>
+              <a:t>2019-05-03</a:t>
             </a:fld>
             <a:endParaRPr lang="ko-KR" altLang="en-US"/>
           </a:p>
@@ -808,7 +809,7 @@
           <a:p>
             <a:fld id="{69AC02CD-5345-4666-9DF6-EC6D49A23704}" type="datetimeFigureOut">
               <a:rPr lang="ko-KR" altLang="en-US" smtClean="0"/>
-              <a:t>2019-04-29</a:t>
+              <a:t>2019-05-03</a:t>
             </a:fld>
             <a:endParaRPr lang="ko-KR" altLang="en-US"/>
           </a:p>
@@ -1054,7 +1055,7 @@
           <a:p>
             <a:fld id="{69AC02CD-5345-4666-9DF6-EC6D49A23704}" type="datetimeFigureOut">
               <a:rPr lang="ko-KR" altLang="en-US" smtClean="0"/>
-              <a:t>2019-04-29</a:t>
+              <a:t>2019-05-03</a:t>
             </a:fld>
             <a:endParaRPr lang="ko-KR" altLang="en-US"/>
           </a:p>
@@ -1342,7 +1343,7 @@
           <a:p>
             <a:fld id="{69AC02CD-5345-4666-9DF6-EC6D49A23704}" type="datetimeFigureOut">
               <a:rPr lang="ko-KR" altLang="en-US" smtClean="0"/>
-              <a:t>2019-04-29</a:t>
+              <a:t>2019-05-03</a:t>
             </a:fld>
             <a:endParaRPr lang="ko-KR" altLang="en-US"/>
           </a:p>
@@ -1764,7 +1765,7 @@
           <a:p>
             <a:fld id="{69AC02CD-5345-4666-9DF6-EC6D49A23704}" type="datetimeFigureOut">
               <a:rPr lang="ko-KR" altLang="en-US" smtClean="0"/>
-              <a:t>2019-04-29</a:t>
+              <a:t>2019-05-03</a:t>
             </a:fld>
             <a:endParaRPr lang="ko-KR" altLang="en-US"/>
           </a:p>
@@ -1882,7 +1883,7 @@
           <a:p>
             <a:fld id="{69AC02CD-5345-4666-9DF6-EC6D49A23704}" type="datetimeFigureOut">
               <a:rPr lang="ko-KR" altLang="en-US" smtClean="0"/>
-              <a:t>2019-04-29</a:t>
+              <a:t>2019-05-03</a:t>
             </a:fld>
             <a:endParaRPr lang="ko-KR" altLang="en-US"/>
           </a:p>
@@ -1977,7 +1978,7 @@
           <a:p>
             <a:fld id="{69AC02CD-5345-4666-9DF6-EC6D49A23704}" type="datetimeFigureOut">
               <a:rPr lang="ko-KR" altLang="en-US" smtClean="0"/>
-              <a:t>2019-04-29</a:t>
+              <a:t>2019-05-03</a:t>
             </a:fld>
             <a:endParaRPr lang="ko-KR" altLang="en-US"/>
           </a:p>
@@ -2254,7 +2255,7 @@
           <a:p>
             <a:fld id="{69AC02CD-5345-4666-9DF6-EC6D49A23704}" type="datetimeFigureOut">
               <a:rPr lang="ko-KR" altLang="en-US" smtClean="0"/>
-              <a:t>2019-04-29</a:t>
+              <a:t>2019-05-03</a:t>
             </a:fld>
             <a:endParaRPr lang="ko-KR" altLang="en-US"/>
           </a:p>
@@ -2507,7 +2508,7 @@
           <a:p>
             <a:fld id="{69AC02CD-5345-4666-9DF6-EC6D49A23704}" type="datetimeFigureOut">
               <a:rPr lang="ko-KR" altLang="en-US" smtClean="0"/>
-              <a:t>2019-04-29</a:t>
+              <a:t>2019-05-03</a:t>
             </a:fld>
             <a:endParaRPr lang="ko-KR" altLang="en-US"/>
           </a:p>
@@ -2720,7 +2721,7 @@
           <a:p>
             <a:fld id="{69AC02CD-5345-4666-9DF6-EC6D49A23704}" type="datetimeFigureOut">
               <a:rPr lang="ko-KR" altLang="en-US" smtClean="0"/>
-              <a:t>2019-04-29</a:t>
+              <a:t>2019-05-03</a:t>
             </a:fld>
             <a:endParaRPr lang="ko-KR" altLang="en-US"/>
           </a:p>
@@ -4891,6 +4892,1148 @@
 </p:sld>
 </file>
 
+<file path=ppt/slides/slide2.xml><?xml version="1.0" encoding="utf-8"?>
+<p:sld xmlns:a="http://schemas.openxmlformats.org/drawingml/2006/main" xmlns:r="http://schemas.openxmlformats.org/officeDocument/2006/relationships" xmlns:p="http://schemas.openxmlformats.org/presentationml/2006/main">
+  <p:cSld>
+    <p:spTree>
+      <p:nvGrpSpPr>
+        <p:cNvPr id="1" name=""/>
+        <p:cNvGrpSpPr/>
+        <p:nvPr/>
+      </p:nvGrpSpPr>
+      <p:grpSpPr>
+        <a:xfrm>
+          <a:off x="0" y="0"/>
+          <a:ext cx="0" cy="0"/>
+          <a:chOff x="0" y="0"/>
+          <a:chExt cx="0" cy="0"/>
+        </a:xfrm>
+      </p:grpSpPr>
+      <p:sp>
+        <p:nvSpPr>
+          <p:cNvPr id="2" name="TextBox 1"/>
+          <p:cNvSpPr txBox="1"/>
+          <p:nvPr/>
+        </p:nvSpPr>
+        <p:spPr>
+          <a:xfrm>
+            <a:off x="2862952" y="188640"/>
+            <a:ext cx="3005192" cy="430887"/>
+          </a:xfrm>
+          <a:prstGeom prst="rect">
+            <a:avLst/>
+          </a:prstGeom>
+        </p:spPr>
+        <p:style>
+          <a:lnRef idx="2">
+            <a:schemeClr val="accent6"/>
+          </a:lnRef>
+          <a:fillRef idx="1">
+            <a:schemeClr val="lt1"/>
+          </a:fillRef>
+          <a:effectRef idx="0">
+            <a:schemeClr val="accent6"/>
+          </a:effectRef>
+          <a:fontRef idx="minor">
+            <a:schemeClr val="dk1"/>
+          </a:fontRef>
+        </p:style>
+        <p:txBody>
+          <a:bodyPr wrap="square" rtlCol="0">
+            <a:spAutoFit/>
+          </a:bodyPr>
+          <a:lstStyle/>
+          <a:p>
+            <a:pPr algn="ctr"/>
+            <a:r>
+              <a:rPr lang="ko-KR" altLang="en-US" sz="1100" dirty="0" smtClean="0"/>
+              <a:t>회원과 카페 관리</a:t>
+            </a:r>
+            <a:endParaRPr lang="en-US" altLang="ko-KR" sz="1100" dirty="0"/>
+          </a:p>
+          <a:p>
+            <a:pPr algn="ctr"/>
+            <a:r>
+              <a:rPr lang="en-US" altLang="ko-KR" sz="1100" dirty="0" smtClean="0"/>
+              <a:t>User member management system for cafe</a:t>
+            </a:r>
+          </a:p>
+        </p:txBody>
+      </p:sp>
+      <p:sp>
+        <p:nvSpPr>
+          <p:cNvPr id="3" name="타원 2"/>
+          <p:cNvSpPr/>
+          <p:nvPr/>
+        </p:nvSpPr>
+        <p:spPr>
+          <a:xfrm>
+            <a:off x="1159269" y="1434655"/>
+            <a:ext cx="864096" cy="508252"/>
+          </a:xfrm>
+          <a:prstGeom prst="ellipse">
+            <a:avLst/>
+          </a:prstGeom>
+          <a:solidFill>
+            <a:schemeClr val="accent6">
+              <a:lumMod val="20000"/>
+              <a:lumOff val="80000"/>
+            </a:schemeClr>
+          </a:solidFill>
+          <a:ln>
+            <a:solidFill>
+              <a:schemeClr val="tx1">
+                <a:lumMod val="65000"/>
+                <a:lumOff val="35000"/>
+              </a:schemeClr>
+            </a:solidFill>
+          </a:ln>
+        </p:spPr>
+        <p:style>
+          <a:lnRef idx="2">
+            <a:schemeClr val="accent1">
+              <a:shade val="50000"/>
+            </a:schemeClr>
+          </a:lnRef>
+          <a:fillRef idx="1">
+            <a:schemeClr val="accent1"/>
+          </a:fillRef>
+          <a:effectRef idx="0">
+            <a:schemeClr val="accent1"/>
+          </a:effectRef>
+          <a:fontRef idx="minor">
+            <a:schemeClr val="lt1"/>
+          </a:fontRef>
+        </p:style>
+        <p:txBody>
+          <a:bodyPr rtlCol="0" anchor="ctr"/>
+          <a:lstStyle/>
+          <a:p>
+            <a:pPr algn="ctr"/>
+            <a:r>
+              <a:rPr lang="ko-KR" altLang="en-US" sz="1000" dirty="0" smtClean="0">
+                <a:solidFill>
+                  <a:schemeClr val="tx1"/>
+                </a:solidFill>
+              </a:rPr>
+              <a:t>이름</a:t>
+            </a:r>
+            <a:endParaRPr lang="ko-KR" altLang="en-US" sz="1000" dirty="0">
+              <a:solidFill>
+                <a:schemeClr val="tx1"/>
+              </a:solidFill>
+            </a:endParaRPr>
+          </a:p>
+        </p:txBody>
+      </p:sp>
+      <p:sp>
+        <p:nvSpPr>
+          <p:cNvPr id="4" name="직사각형 3"/>
+          <p:cNvSpPr/>
+          <p:nvPr/>
+        </p:nvSpPr>
+        <p:spPr>
+          <a:xfrm>
+            <a:off x="899592" y="890826"/>
+            <a:ext cx="1071586" cy="468819"/>
+          </a:xfrm>
+          <a:prstGeom prst="rect">
+            <a:avLst/>
+          </a:prstGeom>
+          <a:solidFill>
+            <a:schemeClr val="accent6"/>
+          </a:solidFill>
+          <a:ln>
+            <a:solidFill>
+              <a:schemeClr val="tx1"/>
+            </a:solidFill>
+          </a:ln>
+        </p:spPr>
+        <p:style>
+          <a:lnRef idx="2">
+            <a:schemeClr val="accent1">
+              <a:shade val="50000"/>
+            </a:schemeClr>
+          </a:lnRef>
+          <a:fillRef idx="1">
+            <a:schemeClr val="accent1"/>
+          </a:fillRef>
+          <a:effectRef idx="0">
+            <a:schemeClr val="accent1"/>
+          </a:effectRef>
+          <a:fontRef idx="minor">
+            <a:schemeClr val="lt1"/>
+          </a:fontRef>
+        </p:style>
+        <p:txBody>
+          <a:bodyPr rtlCol="0" anchor="ctr"/>
+          <a:lstStyle/>
+          <a:p>
+            <a:pPr algn="ctr"/>
+            <a:r>
+              <a:rPr lang="ko-KR" altLang="en-US" sz="1200" dirty="0" smtClean="0">
+                <a:solidFill>
+                  <a:schemeClr val="tx1"/>
+                </a:solidFill>
+              </a:rPr>
+              <a:t>회 원</a:t>
+            </a:r>
+            <a:endParaRPr lang="ko-KR" altLang="en-US" sz="1200" dirty="0">
+              <a:solidFill>
+                <a:schemeClr val="tx1"/>
+              </a:solidFill>
+            </a:endParaRPr>
+          </a:p>
+        </p:txBody>
+      </p:sp>
+      <p:sp>
+        <p:nvSpPr>
+          <p:cNvPr id="5" name="타원 4"/>
+          <p:cNvSpPr/>
+          <p:nvPr/>
+        </p:nvSpPr>
+        <p:spPr>
+          <a:xfrm>
+            <a:off x="2074915" y="1417982"/>
+            <a:ext cx="864096" cy="508252"/>
+          </a:xfrm>
+          <a:prstGeom prst="ellipse">
+            <a:avLst/>
+          </a:prstGeom>
+          <a:solidFill>
+            <a:schemeClr val="accent6">
+              <a:lumMod val="20000"/>
+              <a:lumOff val="80000"/>
+            </a:schemeClr>
+          </a:solidFill>
+          <a:ln>
+            <a:solidFill>
+              <a:schemeClr val="tx1">
+                <a:lumMod val="65000"/>
+                <a:lumOff val="35000"/>
+              </a:schemeClr>
+            </a:solidFill>
+          </a:ln>
+        </p:spPr>
+        <p:style>
+          <a:lnRef idx="2">
+            <a:schemeClr val="accent1">
+              <a:shade val="50000"/>
+            </a:schemeClr>
+          </a:lnRef>
+          <a:fillRef idx="1">
+            <a:schemeClr val="accent1"/>
+          </a:fillRef>
+          <a:effectRef idx="0">
+            <a:schemeClr val="accent1"/>
+          </a:effectRef>
+          <a:fontRef idx="minor">
+            <a:schemeClr val="lt1"/>
+          </a:fontRef>
+        </p:style>
+        <p:txBody>
+          <a:bodyPr rtlCol="0" anchor="ctr"/>
+          <a:lstStyle/>
+          <a:p>
+            <a:pPr algn="ctr"/>
+            <a:r>
+              <a:rPr lang="ko-KR" altLang="en-US" sz="1000" dirty="0" smtClean="0">
+                <a:solidFill>
+                  <a:schemeClr val="tx1"/>
+                </a:solidFill>
+              </a:rPr>
+              <a:t>연락처</a:t>
+            </a:r>
+            <a:endParaRPr lang="ko-KR" altLang="en-US" sz="1000" dirty="0">
+              <a:solidFill>
+                <a:schemeClr val="tx1"/>
+              </a:solidFill>
+            </a:endParaRPr>
+          </a:p>
+        </p:txBody>
+      </p:sp>
+      <p:sp>
+        <p:nvSpPr>
+          <p:cNvPr id="6" name="타원 5"/>
+          <p:cNvSpPr/>
+          <p:nvPr/>
+        </p:nvSpPr>
+        <p:spPr>
+          <a:xfrm>
+            <a:off x="210196" y="1434655"/>
+            <a:ext cx="864096" cy="508252"/>
+          </a:xfrm>
+          <a:prstGeom prst="ellipse">
+            <a:avLst/>
+          </a:prstGeom>
+          <a:solidFill>
+            <a:schemeClr val="accent6">
+              <a:lumMod val="60000"/>
+              <a:lumOff val="40000"/>
+            </a:schemeClr>
+          </a:solidFill>
+          <a:ln>
+            <a:solidFill>
+              <a:schemeClr val="tx1">
+                <a:lumMod val="95000"/>
+                <a:lumOff val="5000"/>
+              </a:schemeClr>
+            </a:solidFill>
+          </a:ln>
+        </p:spPr>
+        <p:style>
+          <a:lnRef idx="2">
+            <a:schemeClr val="accent1">
+              <a:shade val="50000"/>
+            </a:schemeClr>
+          </a:lnRef>
+          <a:fillRef idx="1">
+            <a:schemeClr val="accent1"/>
+          </a:fillRef>
+          <a:effectRef idx="0">
+            <a:schemeClr val="accent1"/>
+          </a:effectRef>
+          <a:fontRef idx="minor">
+            <a:schemeClr val="lt1"/>
+          </a:fontRef>
+        </p:style>
+        <p:txBody>
+          <a:bodyPr rtlCol="0" anchor="ctr"/>
+          <a:lstStyle/>
+          <a:p>
+            <a:pPr algn="ctr"/>
+            <a:r>
+              <a:rPr lang="ko-KR" altLang="en-US" sz="1000" dirty="0" smtClean="0">
+                <a:solidFill>
+                  <a:schemeClr val="tx1"/>
+                </a:solidFill>
+              </a:rPr>
+              <a:t>회원 </a:t>
+            </a:r>
+            <a:r>
+              <a:rPr lang="en-US" altLang="ko-KR" sz="1000" dirty="0" smtClean="0">
+                <a:solidFill>
+                  <a:schemeClr val="tx1"/>
+                </a:solidFill>
+              </a:rPr>
+              <a:t>ID</a:t>
+            </a:r>
+          </a:p>
+        </p:txBody>
+      </p:sp>
+      <p:sp>
+        <p:nvSpPr>
+          <p:cNvPr id="7" name="타원 6"/>
+          <p:cNvSpPr/>
+          <p:nvPr/>
+        </p:nvSpPr>
+        <p:spPr>
+          <a:xfrm>
+            <a:off x="696110" y="1931161"/>
+            <a:ext cx="864096" cy="508252"/>
+          </a:xfrm>
+          <a:prstGeom prst="ellipse">
+            <a:avLst/>
+          </a:prstGeom>
+          <a:solidFill>
+            <a:schemeClr val="accent6">
+              <a:lumMod val="20000"/>
+              <a:lumOff val="80000"/>
+            </a:schemeClr>
+          </a:solidFill>
+          <a:ln>
+            <a:solidFill>
+              <a:schemeClr val="tx1">
+                <a:lumMod val="65000"/>
+                <a:lumOff val="35000"/>
+              </a:schemeClr>
+            </a:solidFill>
+          </a:ln>
+        </p:spPr>
+        <p:style>
+          <a:lnRef idx="2">
+            <a:schemeClr val="accent1">
+              <a:shade val="50000"/>
+            </a:schemeClr>
+          </a:lnRef>
+          <a:fillRef idx="1">
+            <a:schemeClr val="accent1"/>
+          </a:fillRef>
+          <a:effectRef idx="0">
+            <a:schemeClr val="accent1"/>
+          </a:effectRef>
+          <a:fontRef idx="minor">
+            <a:schemeClr val="lt1"/>
+          </a:fontRef>
+        </p:style>
+        <p:txBody>
+          <a:bodyPr rtlCol="0" anchor="ctr"/>
+          <a:lstStyle/>
+          <a:p>
+            <a:pPr algn="ctr"/>
+            <a:r>
+              <a:rPr lang="ko-KR" altLang="en-US" sz="1000" dirty="0" smtClean="0">
+                <a:solidFill>
+                  <a:schemeClr val="tx1"/>
+                </a:solidFill>
+              </a:rPr>
+              <a:t>비밀번</a:t>
+            </a:r>
+            <a:r>
+              <a:rPr lang="ko-KR" altLang="en-US" sz="1000" dirty="0">
+                <a:solidFill>
+                  <a:schemeClr val="tx1"/>
+                </a:solidFill>
+              </a:rPr>
+              <a:t>호</a:t>
+            </a:r>
+          </a:p>
+        </p:txBody>
+      </p:sp>
+      <p:sp>
+        <p:nvSpPr>
+          <p:cNvPr id="8" name="타원 7"/>
+          <p:cNvSpPr/>
+          <p:nvPr/>
+        </p:nvSpPr>
+        <p:spPr>
+          <a:xfrm>
+            <a:off x="1642867" y="1919834"/>
+            <a:ext cx="864096" cy="508252"/>
+          </a:xfrm>
+          <a:prstGeom prst="ellipse">
+            <a:avLst/>
+          </a:prstGeom>
+          <a:solidFill>
+            <a:schemeClr val="accent6">
+              <a:lumMod val="20000"/>
+              <a:lumOff val="80000"/>
+            </a:schemeClr>
+          </a:solidFill>
+          <a:ln>
+            <a:solidFill>
+              <a:schemeClr val="tx1">
+                <a:lumMod val="65000"/>
+                <a:lumOff val="35000"/>
+              </a:schemeClr>
+            </a:solidFill>
+          </a:ln>
+        </p:spPr>
+        <p:style>
+          <a:lnRef idx="2">
+            <a:schemeClr val="accent1">
+              <a:shade val="50000"/>
+            </a:schemeClr>
+          </a:lnRef>
+          <a:fillRef idx="1">
+            <a:schemeClr val="accent1"/>
+          </a:fillRef>
+          <a:effectRef idx="0">
+            <a:schemeClr val="accent1"/>
+          </a:effectRef>
+          <a:fontRef idx="minor">
+            <a:schemeClr val="lt1"/>
+          </a:fontRef>
+        </p:style>
+        <p:txBody>
+          <a:bodyPr rtlCol="0" anchor="ctr"/>
+          <a:lstStyle/>
+          <a:p>
+            <a:pPr algn="ctr"/>
+            <a:r>
+              <a:rPr lang="ko-KR" altLang="en-US" sz="1000" dirty="0" smtClean="0">
+                <a:solidFill>
+                  <a:schemeClr val="tx1"/>
+                </a:solidFill>
+              </a:rPr>
+              <a:t>메일</a:t>
+            </a:r>
+            <a:endParaRPr lang="ko-KR" altLang="en-US" sz="1000" dirty="0">
+              <a:solidFill>
+                <a:schemeClr val="tx1"/>
+              </a:solidFill>
+            </a:endParaRPr>
+          </a:p>
+        </p:txBody>
+      </p:sp>
+      <p:sp>
+        <p:nvSpPr>
+          <p:cNvPr id="9" name="다이아몬드 8"/>
+          <p:cNvSpPr/>
+          <p:nvPr/>
+        </p:nvSpPr>
+        <p:spPr>
+          <a:xfrm>
+            <a:off x="906488" y="2821897"/>
+            <a:ext cx="1226860" cy="608688"/>
+          </a:xfrm>
+          <a:prstGeom prst="diamond">
+            <a:avLst/>
+          </a:prstGeom>
+          <a:solidFill>
+            <a:schemeClr val="accent6">
+              <a:lumMod val="75000"/>
+            </a:schemeClr>
+          </a:solidFill>
+          <a:ln>
+            <a:solidFill>
+              <a:schemeClr val="tx1"/>
+            </a:solidFill>
+          </a:ln>
+        </p:spPr>
+        <p:style>
+          <a:lnRef idx="2">
+            <a:schemeClr val="accent1">
+              <a:shade val="50000"/>
+            </a:schemeClr>
+          </a:lnRef>
+          <a:fillRef idx="1">
+            <a:schemeClr val="accent1"/>
+          </a:fillRef>
+          <a:effectRef idx="0">
+            <a:schemeClr val="accent1"/>
+          </a:effectRef>
+          <a:fontRef idx="minor">
+            <a:schemeClr val="lt1"/>
+          </a:fontRef>
+        </p:style>
+        <p:txBody>
+          <a:bodyPr rtlCol="0" anchor="ctr"/>
+          <a:lstStyle/>
+          <a:p>
+            <a:pPr algn="ctr"/>
+            <a:r>
+              <a:rPr lang="ko-KR" altLang="en-US" sz="1200" dirty="0" smtClean="0">
+                <a:solidFill>
+                  <a:schemeClr val="tx1"/>
+                </a:solidFill>
+              </a:rPr>
+              <a:t>구 매</a:t>
+            </a:r>
+            <a:endParaRPr lang="en-US" altLang="ko-KR" sz="1200" dirty="0" smtClean="0">
+              <a:solidFill>
+                <a:schemeClr val="tx1"/>
+              </a:solidFill>
+            </a:endParaRPr>
+          </a:p>
+        </p:txBody>
+      </p:sp>
+      <p:sp>
+        <p:nvSpPr>
+          <p:cNvPr id="16" name="직사각형 15"/>
+          <p:cNvSpPr/>
+          <p:nvPr/>
+        </p:nvSpPr>
+        <p:spPr>
+          <a:xfrm>
+            <a:off x="3829755" y="888513"/>
+            <a:ext cx="1071586" cy="468819"/>
+          </a:xfrm>
+          <a:prstGeom prst="rect">
+            <a:avLst/>
+          </a:prstGeom>
+          <a:solidFill>
+            <a:schemeClr val="accent6"/>
+          </a:solidFill>
+          <a:ln>
+            <a:solidFill>
+              <a:schemeClr val="tx1"/>
+            </a:solidFill>
+          </a:ln>
+        </p:spPr>
+        <p:style>
+          <a:lnRef idx="2">
+            <a:schemeClr val="accent1">
+              <a:shade val="50000"/>
+            </a:schemeClr>
+          </a:lnRef>
+          <a:fillRef idx="1">
+            <a:schemeClr val="accent1"/>
+          </a:fillRef>
+          <a:effectRef idx="0">
+            <a:schemeClr val="accent1"/>
+          </a:effectRef>
+          <a:fontRef idx="minor">
+            <a:schemeClr val="lt1"/>
+          </a:fontRef>
+        </p:style>
+        <p:txBody>
+          <a:bodyPr rtlCol="0" anchor="ctr"/>
+          <a:lstStyle/>
+          <a:p>
+            <a:pPr algn="ctr"/>
+            <a:r>
+              <a:rPr lang="ko-KR" altLang="en-US" sz="1200" dirty="0" smtClean="0">
+                <a:solidFill>
+                  <a:schemeClr val="tx1"/>
+                </a:solidFill>
+              </a:rPr>
+              <a:t>게시판</a:t>
+            </a:r>
+            <a:endParaRPr lang="en-US" altLang="ko-KR" sz="1200" dirty="0" smtClean="0">
+              <a:solidFill>
+                <a:schemeClr val="tx1"/>
+              </a:solidFill>
+            </a:endParaRPr>
+          </a:p>
+        </p:txBody>
+      </p:sp>
+      <p:sp>
+        <p:nvSpPr>
+          <p:cNvPr id="17" name="타원 16"/>
+          <p:cNvSpPr/>
+          <p:nvPr/>
+        </p:nvSpPr>
+        <p:spPr>
+          <a:xfrm>
+            <a:off x="3201538" y="1482743"/>
+            <a:ext cx="864096" cy="508252"/>
+          </a:xfrm>
+          <a:prstGeom prst="ellipse">
+            <a:avLst/>
+          </a:prstGeom>
+          <a:solidFill>
+            <a:schemeClr val="accent6">
+              <a:lumMod val="60000"/>
+              <a:lumOff val="40000"/>
+            </a:schemeClr>
+          </a:solidFill>
+          <a:ln>
+            <a:solidFill>
+              <a:schemeClr val="tx1"/>
+            </a:solidFill>
+          </a:ln>
+        </p:spPr>
+        <p:style>
+          <a:lnRef idx="2">
+            <a:schemeClr val="accent1">
+              <a:shade val="50000"/>
+            </a:schemeClr>
+          </a:lnRef>
+          <a:fillRef idx="1">
+            <a:schemeClr val="accent1"/>
+          </a:fillRef>
+          <a:effectRef idx="0">
+            <a:schemeClr val="accent1"/>
+          </a:effectRef>
+          <a:fontRef idx="minor">
+            <a:schemeClr val="lt1"/>
+          </a:fontRef>
+        </p:style>
+        <p:txBody>
+          <a:bodyPr rtlCol="0" anchor="ctr"/>
+          <a:lstStyle/>
+          <a:p>
+            <a:pPr algn="ctr"/>
+            <a:r>
+              <a:rPr lang="ko-KR" altLang="en-US" sz="1000" dirty="0" smtClean="0">
+                <a:solidFill>
+                  <a:schemeClr val="tx1"/>
+                </a:solidFill>
+              </a:rPr>
+              <a:t>게시판번호</a:t>
+            </a:r>
+            <a:endParaRPr lang="en-US" altLang="ko-KR" sz="1000" dirty="0" smtClean="0">
+              <a:solidFill>
+                <a:schemeClr val="tx1"/>
+              </a:solidFill>
+            </a:endParaRPr>
+          </a:p>
+        </p:txBody>
+      </p:sp>
+      <p:sp>
+        <p:nvSpPr>
+          <p:cNvPr id="18" name="타원 17"/>
+          <p:cNvSpPr/>
+          <p:nvPr/>
+        </p:nvSpPr>
+        <p:spPr>
+          <a:xfrm>
+            <a:off x="4096334" y="1484841"/>
+            <a:ext cx="864096" cy="508252"/>
+          </a:xfrm>
+          <a:prstGeom prst="ellipse">
+            <a:avLst/>
+          </a:prstGeom>
+          <a:solidFill>
+            <a:schemeClr val="bg1">
+              <a:lumMod val="85000"/>
+            </a:schemeClr>
+          </a:solidFill>
+          <a:ln>
+            <a:solidFill>
+              <a:schemeClr val="tx1">
+                <a:lumMod val="95000"/>
+                <a:lumOff val="5000"/>
+              </a:schemeClr>
+            </a:solidFill>
+          </a:ln>
+        </p:spPr>
+        <p:style>
+          <a:lnRef idx="2">
+            <a:schemeClr val="accent1">
+              <a:shade val="50000"/>
+            </a:schemeClr>
+          </a:lnRef>
+          <a:fillRef idx="1">
+            <a:schemeClr val="accent1"/>
+          </a:fillRef>
+          <a:effectRef idx="0">
+            <a:schemeClr val="accent1"/>
+          </a:effectRef>
+          <a:fontRef idx="minor">
+            <a:schemeClr val="lt1"/>
+          </a:fontRef>
+        </p:style>
+        <p:txBody>
+          <a:bodyPr rtlCol="0" anchor="ctr"/>
+          <a:lstStyle/>
+          <a:p>
+            <a:pPr algn="ctr"/>
+            <a:r>
+              <a:rPr lang="ko-KR" altLang="en-US" sz="1000" dirty="0" smtClean="0">
+                <a:solidFill>
+                  <a:schemeClr val="tx1"/>
+                </a:solidFill>
+              </a:rPr>
+              <a:t>회원 </a:t>
+            </a:r>
+            <a:r>
+              <a:rPr lang="en-US" altLang="ko-KR" sz="1000" dirty="0" smtClean="0">
+                <a:solidFill>
+                  <a:schemeClr val="tx1"/>
+                </a:solidFill>
+              </a:rPr>
+              <a:t>ID</a:t>
+            </a:r>
+            <a:endParaRPr lang="ko-KR" altLang="en-US" sz="1000" dirty="0">
+              <a:solidFill>
+                <a:schemeClr val="tx1"/>
+              </a:solidFill>
+            </a:endParaRPr>
+          </a:p>
+        </p:txBody>
+      </p:sp>
+      <p:sp>
+        <p:nvSpPr>
+          <p:cNvPr id="19" name="타원 18"/>
+          <p:cNvSpPr/>
+          <p:nvPr/>
+        </p:nvSpPr>
+        <p:spPr>
+          <a:xfrm>
+            <a:off x="3223121" y="2040442"/>
+            <a:ext cx="864096" cy="508252"/>
+          </a:xfrm>
+          <a:prstGeom prst="ellipse">
+            <a:avLst/>
+          </a:prstGeom>
+          <a:solidFill>
+            <a:schemeClr val="accent6">
+              <a:lumMod val="20000"/>
+              <a:lumOff val="80000"/>
+            </a:schemeClr>
+          </a:solidFill>
+          <a:ln>
+            <a:solidFill>
+              <a:schemeClr val="tx1">
+                <a:lumMod val="65000"/>
+                <a:lumOff val="35000"/>
+              </a:schemeClr>
+            </a:solidFill>
+          </a:ln>
+        </p:spPr>
+        <p:style>
+          <a:lnRef idx="2">
+            <a:schemeClr val="accent1">
+              <a:shade val="50000"/>
+            </a:schemeClr>
+          </a:lnRef>
+          <a:fillRef idx="1">
+            <a:schemeClr val="accent1"/>
+          </a:fillRef>
+          <a:effectRef idx="0">
+            <a:schemeClr val="accent1"/>
+          </a:effectRef>
+          <a:fontRef idx="minor">
+            <a:schemeClr val="lt1"/>
+          </a:fontRef>
+        </p:style>
+        <p:txBody>
+          <a:bodyPr rtlCol="0" anchor="ctr"/>
+          <a:lstStyle/>
+          <a:p>
+            <a:pPr algn="ctr"/>
+            <a:r>
+              <a:rPr lang="ko-KR" altLang="en-US" sz="1000" dirty="0" smtClean="0">
+                <a:solidFill>
+                  <a:schemeClr val="tx1"/>
+                </a:solidFill>
+              </a:rPr>
+              <a:t>제</a:t>
+            </a:r>
+            <a:r>
+              <a:rPr lang="ko-KR" altLang="en-US" sz="1000" dirty="0">
+                <a:solidFill>
+                  <a:schemeClr val="tx1"/>
+                </a:solidFill>
+              </a:rPr>
+              <a:t>목</a:t>
+            </a:r>
+          </a:p>
+        </p:txBody>
+      </p:sp>
+      <p:sp>
+        <p:nvSpPr>
+          <p:cNvPr id="20" name="타원 19"/>
+          <p:cNvSpPr/>
+          <p:nvPr/>
+        </p:nvSpPr>
+        <p:spPr>
+          <a:xfrm>
+            <a:off x="4179285" y="2040442"/>
+            <a:ext cx="864096" cy="508252"/>
+          </a:xfrm>
+          <a:prstGeom prst="ellipse">
+            <a:avLst/>
+          </a:prstGeom>
+          <a:solidFill>
+            <a:schemeClr val="accent6">
+              <a:lumMod val="20000"/>
+              <a:lumOff val="80000"/>
+            </a:schemeClr>
+          </a:solidFill>
+          <a:ln>
+            <a:solidFill>
+              <a:schemeClr val="tx1">
+                <a:lumMod val="65000"/>
+                <a:lumOff val="35000"/>
+              </a:schemeClr>
+            </a:solidFill>
+          </a:ln>
+        </p:spPr>
+        <p:style>
+          <a:lnRef idx="2">
+            <a:schemeClr val="accent1">
+              <a:shade val="50000"/>
+            </a:schemeClr>
+          </a:lnRef>
+          <a:fillRef idx="1">
+            <a:schemeClr val="accent1"/>
+          </a:fillRef>
+          <a:effectRef idx="0">
+            <a:schemeClr val="accent1"/>
+          </a:effectRef>
+          <a:fontRef idx="minor">
+            <a:schemeClr val="lt1"/>
+          </a:fontRef>
+        </p:style>
+        <p:txBody>
+          <a:bodyPr rtlCol="0" anchor="ctr"/>
+          <a:lstStyle/>
+          <a:p>
+            <a:pPr algn="ctr"/>
+            <a:r>
+              <a:rPr lang="ko-KR" altLang="en-US" sz="1000" dirty="0" smtClean="0">
+                <a:solidFill>
+                  <a:schemeClr val="tx1"/>
+                </a:solidFill>
+              </a:rPr>
+              <a:t>내용</a:t>
+            </a:r>
+            <a:endParaRPr lang="ko-KR" altLang="en-US" sz="1000" dirty="0">
+              <a:solidFill>
+                <a:schemeClr val="tx1"/>
+              </a:solidFill>
+            </a:endParaRPr>
+          </a:p>
+        </p:txBody>
+      </p:sp>
+      <p:sp>
+        <p:nvSpPr>
+          <p:cNvPr id="21" name="타원 20"/>
+          <p:cNvSpPr/>
+          <p:nvPr/>
+        </p:nvSpPr>
+        <p:spPr>
+          <a:xfrm>
+            <a:off x="5091148" y="2040442"/>
+            <a:ext cx="864096" cy="508252"/>
+          </a:xfrm>
+          <a:prstGeom prst="ellipse">
+            <a:avLst/>
+          </a:prstGeom>
+          <a:solidFill>
+            <a:schemeClr val="accent6">
+              <a:lumMod val="20000"/>
+              <a:lumOff val="80000"/>
+            </a:schemeClr>
+          </a:solidFill>
+          <a:ln>
+            <a:solidFill>
+              <a:schemeClr val="tx1">
+                <a:lumMod val="65000"/>
+                <a:lumOff val="35000"/>
+              </a:schemeClr>
+            </a:solidFill>
+          </a:ln>
+        </p:spPr>
+        <p:style>
+          <a:lnRef idx="2">
+            <a:schemeClr val="accent1">
+              <a:shade val="50000"/>
+            </a:schemeClr>
+          </a:lnRef>
+          <a:fillRef idx="1">
+            <a:schemeClr val="accent1"/>
+          </a:fillRef>
+          <a:effectRef idx="0">
+            <a:schemeClr val="accent1"/>
+          </a:effectRef>
+          <a:fontRef idx="minor">
+            <a:schemeClr val="lt1"/>
+          </a:fontRef>
+        </p:style>
+        <p:txBody>
+          <a:bodyPr rtlCol="0" anchor="ctr"/>
+          <a:lstStyle/>
+          <a:p>
+            <a:pPr algn="ctr"/>
+            <a:r>
+              <a:rPr lang="ko-KR" altLang="en-US" sz="1000" dirty="0" smtClean="0">
+                <a:solidFill>
+                  <a:schemeClr val="tx1"/>
+                </a:solidFill>
+              </a:rPr>
+              <a:t>작성</a:t>
+            </a:r>
+            <a:r>
+              <a:rPr lang="ko-KR" altLang="en-US" sz="1000" dirty="0">
+                <a:solidFill>
+                  <a:schemeClr val="tx1"/>
+                </a:solidFill>
+              </a:rPr>
+              <a:t>일</a:t>
+            </a:r>
+          </a:p>
+        </p:txBody>
+      </p:sp>
+      <p:sp>
+        <p:nvSpPr>
+          <p:cNvPr id="22" name="타원 21"/>
+          <p:cNvSpPr/>
+          <p:nvPr/>
+        </p:nvSpPr>
+        <p:spPr>
+          <a:xfrm>
+            <a:off x="3673538" y="2525010"/>
+            <a:ext cx="864096" cy="508252"/>
+          </a:xfrm>
+          <a:prstGeom prst="ellipse">
+            <a:avLst/>
+          </a:prstGeom>
+          <a:solidFill>
+            <a:schemeClr val="accent6">
+              <a:lumMod val="20000"/>
+              <a:lumOff val="80000"/>
+            </a:schemeClr>
+          </a:solidFill>
+          <a:ln>
+            <a:solidFill>
+              <a:schemeClr val="tx1">
+                <a:lumMod val="65000"/>
+                <a:lumOff val="35000"/>
+              </a:schemeClr>
+            </a:solidFill>
+          </a:ln>
+        </p:spPr>
+        <p:style>
+          <a:lnRef idx="2">
+            <a:schemeClr val="accent1">
+              <a:shade val="50000"/>
+            </a:schemeClr>
+          </a:lnRef>
+          <a:fillRef idx="1">
+            <a:schemeClr val="accent1"/>
+          </a:fillRef>
+          <a:effectRef idx="0">
+            <a:schemeClr val="accent1"/>
+          </a:effectRef>
+          <a:fontRef idx="minor">
+            <a:schemeClr val="lt1"/>
+          </a:fontRef>
+        </p:style>
+        <p:txBody>
+          <a:bodyPr rtlCol="0" anchor="ctr"/>
+          <a:lstStyle/>
+          <a:p>
+            <a:pPr algn="ctr"/>
+            <a:r>
+              <a:rPr lang="ko-KR" altLang="en-US" sz="1000" dirty="0" smtClean="0">
+                <a:solidFill>
+                  <a:schemeClr val="tx1"/>
+                </a:solidFill>
+              </a:rPr>
+              <a:t>첨부파일</a:t>
+            </a:r>
+            <a:endParaRPr lang="ko-KR" altLang="en-US" sz="1000" dirty="0">
+              <a:solidFill>
+                <a:schemeClr val="tx1"/>
+              </a:solidFill>
+            </a:endParaRPr>
+          </a:p>
+        </p:txBody>
+      </p:sp>
+      <p:sp>
+        <p:nvSpPr>
+          <p:cNvPr id="23" name="타원 22"/>
+          <p:cNvSpPr/>
+          <p:nvPr/>
+        </p:nvSpPr>
+        <p:spPr>
+          <a:xfrm>
+            <a:off x="5041863" y="1484841"/>
+            <a:ext cx="864096" cy="508252"/>
+          </a:xfrm>
+          <a:prstGeom prst="ellipse">
+            <a:avLst/>
+          </a:prstGeom>
+          <a:solidFill>
+            <a:schemeClr val="accent6">
+              <a:lumMod val="20000"/>
+              <a:lumOff val="80000"/>
+            </a:schemeClr>
+          </a:solidFill>
+          <a:ln>
+            <a:solidFill>
+              <a:schemeClr val="tx1">
+                <a:lumMod val="65000"/>
+                <a:lumOff val="35000"/>
+              </a:schemeClr>
+            </a:solidFill>
+          </a:ln>
+        </p:spPr>
+        <p:style>
+          <a:lnRef idx="2">
+            <a:schemeClr val="accent1">
+              <a:shade val="50000"/>
+            </a:schemeClr>
+          </a:lnRef>
+          <a:fillRef idx="1">
+            <a:schemeClr val="accent1"/>
+          </a:fillRef>
+          <a:effectRef idx="0">
+            <a:schemeClr val="accent1"/>
+          </a:effectRef>
+          <a:fontRef idx="minor">
+            <a:schemeClr val="lt1"/>
+          </a:fontRef>
+        </p:style>
+        <p:txBody>
+          <a:bodyPr rtlCol="0" anchor="ctr"/>
+          <a:lstStyle/>
+          <a:p>
+            <a:pPr algn="ctr"/>
+            <a:r>
+              <a:rPr lang="ko-KR" altLang="en-US" sz="1000" dirty="0" smtClean="0">
+                <a:solidFill>
+                  <a:schemeClr val="tx1"/>
+                </a:solidFill>
+              </a:rPr>
+              <a:t>분류</a:t>
+            </a:r>
+            <a:endParaRPr lang="ko-KR" altLang="en-US" sz="1000" dirty="0">
+              <a:solidFill>
+                <a:schemeClr val="tx1"/>
+              </a:solidFill>
+            </a:endParaRPr>
+          </a:p>
+        </p:txBody>
+      </p:sp>
+      <p:sp>
+        <p:nvSpPr>
+          <p:cNvPr id="24" name="직사각형 23"/>
+          <p:cNvSpPr/>
+          <p:nvPr/>
+        </p:nvSpPr>
+        <p:spPr>
+          <a:xfrm>
+            <a:off x="1107074" y="4005064"/>
+            <a:ext cx="1071586" cy="468819"/>
+          </a:xfrm>
+          <a:prstGeom prst="rect">
+            <a:avLst/>
+          </a:prstGeom>
+          <a:solidFill>
+            <a:schemeClr val="accent6"/>
+          </a:solidFill>
+          <a:ln>
+            <a:solidFill>
+              <a:schemeClr val="tx1">
+                <a:lumMod val="95000"/>
+                <a:lumOff val="5000"/>
+              </a:schemeClr>
+            </a:solidFill>
+          </a:ln>
+        </p:spPr>
+        <p:style>
+          <a:lnRef idx="2">
+            <a:schemeClr val="accent1">
+              <a:shade val="50000"/>
+            </a:schemeClr>
+          </a:lnRef>
+          <a:fillRef idx="1">
+            <a:schemeClr val="accent1"/>
+          </a:fillRef>
+          <a:effectRef idx="0">
+            <a:schemeClr val="accent1"/>
+          </a:effectRef>
+          <a:fontRef idx="minor">
+            <a:schemeClr val="lt1"/>
+          </a:fontRef>
+        </p:style>
+        <p:txBody>
+          <a:bodyPr rtlCol="0" anchor="ctr"/>
+          <a:lstStyle/>
+          <a:p>
+            <a:pPr algn="ctr"/>
+            <a:r>
+              <a:rPr lang="ko-KR" altLang="en-US" sz="1200" dirty="0" smtClean="0">
+                <a:solidFill>
+                  <a:schemeClr val="tx1"/>
+                </a:solidFill>
+              </a:rPr>
+              <a:t>카 </a:t>
+            </a:r>
+            <a:r>
+              <a:rPr lang="ko-KR" altLang="en-US" sz="1200" dirty="0" err="1" smtClean="0">
+                <a:solidFill>
+                  <a:schemeClr val="tx1"/>
+                </a:solidFill>
+              </a:rPr>
+              <a:t>페</a:t>
+            </a:r>
+            <a:endParaRPr lang="en-US" altLang="ko-KR" sz="1200" dirty="0" smtClean="0">
+              <a:solidFill>
+                <a:schemeClr val="tx1"/>
+              </a:solidFill>
+            </a:endParaRPr>
+          </a:p>
+        </p:txBody>
+      </p:sp>
+    </p:spTree>
+    <p:extLst>
+      <p:ext uri="{BB962C8B-B14F-4D97-AF65-F5344CB8AC3E}">
+        <p14:creationId xmlns:p14="http://schemas.microsoft.com/office/powerpoint/2010/main" val="4090986573"/>
+      </p:ext>
+    </p:extLst>
+  </p:cSld>
+  <p:clrMapOvr>
+    <a:masterClrMapping/>
+  </p:clrMapOvr>
+</p:sld>
+</file>
+
 <file path=ppt/theme/theme1.xml><?xml version="1.0" encoding="utf-8"?>
 <a:theme xmlns:a="http://schemas.openxmlformats.org/drawingml/2006/main" name="Office 테마">
   <a:themeElements>
